--- a/2018/C语言课程设计/to student/C语言课程设计报告.pptx
+++ b/2018/C语言课程设计/to student/C语言课程设计报告.pptx
@@ -3329,7 +3329,7 @@
           <a:p>
             <a:fld id="{9B897E2D-957B-4D9D-A0C2-5B7D912FC07C}" type="datetime10">
               <a:rPr lang="zh-CN" altLang="en-US" smtClean="0"/>
-              <a:t>10:47</a:t>
+              <a:t>15:53</a:t>
             </a:fld>
             <a:endParaRPr lang="zh-CN" altLang="en-US"/>
           </a:p>
@@ -3542,7 +3542,7 @@
           <a:p>
             <a:fld id="{FEB5EFE7-A783-4554-B77F-DF14040FF23C}" type="datetime10">
               <a:rPr lang="zh-CN" altLang="en-US" smtClean="0"/>
-              <a:t>10:47</a:t>
+              <a:t>15:53</a:t>
             </a:fld>
             <a:endParaRPr lang="zh-CN" altLang="en-US"/>
           </a:p>
@@ -3852,7 +3852,7 @@
           <a:p>
             <a:fld id="{FAE39FCF-E57F-4C7B-8DA8-2F4FAAA6797D}" type="datetime10">
               <a:rPr lang="zh-CN" altLang="en-US" smtClean="0"/>
-              <a:t>10:47</a:t>
+              <a:t>15:53</a:t>
             </a:fld>
             <a:endParaRPr lang="zh-CN" altLang="en-US"/>
           </a:p>
@@ -4027,7 +4027,7 @@
           <a:p>
             <a:fld id="{027287E7-C195-4956-AB5F-C5E4FB6E648D}" type="datetime10">
               <a:rPr lang="zh-CN" altLang="en-US" smtClean="0"/>
-              <a:t>10:47</a:t>
+              <a:t>15:53</a:t>
             </a:fld>
             <a:endParaRPr lang="zh-CN" altLang="en-US"/>
           </a:p>
@@ -4151,7 +4151,7 @@
           <a:p>
             <a:fld id="{2BC22A67-3ECF-487E-A853-13104F322C26}" type="datetime10">
               <a:rPr lang="zh-CN" altLang="en-US" smtClean="0"/>
-              <a:t>10:47</a:t>
+              <a:t>15:53</a:t>
             </a:fld>
             <a:endParaRPr lang="zh-CN" altLang="en-US"/>
           </a:p>
@@ -4612,7 +4612,7 @@
           <a:p>
             <a:fld id="{CDF13AE3-D21E-49E3-A634-69B00BCC8341}" type="datetime10">
               <a:rPr lang="zh-CN" altLang="en-US" smtClean="0"/>
-              <a:t>10:47</a:t>
+              <a:t>15:53</a:t>
             </a:fld>
             <a:endParaRPr lang="zh-CN" altLang="en-US"/>
           </a:p>
@@ -5871,7 +5871,7 @@
           <a:p>
             <a:fld id="{FFCBFCD3-6900-4801-A3A8-ABFF77EF36E9}" type="datetime10">
               <a:rPr lang="zh-CN" altLang="en-US" smtClean="0"/>
-              <a:t>10:47</a:t>
+              <a:t>15:53</a:t>
             </a:fld>
             <a:endParaRPr lang="zh-CN" altLang="en-US"/>
           </a:p>
@@ -6537,7 +6537,7 @@
           <a:p>
             <a:fld id="{B3A5277A-74C6-4D5A-B698-EA3D9D662265}" type="datetime10">
               <a:rPr lang="zh-CN" altLang="en-US" smtClean="0"/>
-              <a:t>10:47</a:t>
+              <a:t>15:53</a:t>
             </a:fld>
             <a:endParaRPr lang="zh-CN" altLang="en-US"/>
           </a:p>
@@ -7153,7 +7153,7 @@
           <a:p>
             <a:fld id="{B3A5277A-74C6-4D5A-B698-EA3D9D662265}" type="datetime10">
               <a:rPr lang="zh-CN" altLang="en-US" smtClean="0"/>
-              <a:t>10:47</a:t>
+              <a:t>15:53</a:t>
             </a:fld>
             <a:endParaRPr lang="zh-CN" altLang="en-US"/>
           </a:p>
@@ -7948,7 +7948,7 @@
           <a:p>
             <a:fld id="{78FEED2D-F7E8-4C4A-84AE-93C7F94FE09E}" type="datetime10">
               <a:rPr lang="zh-CN" altLang="en-US" smtClean="0"/>
-              <a:t>10:47</a:t>
+              <a:t>15:53</a:t>
             </a:fld>
             <a:endParaRPr lang="zh-CN" altLang="en-US"/>
           </a:p>
@@ -8550,7 +8550,7 @@
           <a:p>
             <a:fld id="{78FEED2D-F7E8-4C4A-84AE-93C7F94FE09E}" type="datetime10">
               <a:rPr lang="zh-CN" altLang="en-US" smtClean="0"/>
-              <a:t>10:47</a:t>
+              <a:t>15:53</a:t>
             </a:fld>
             <a:endParaRPr lang="zh-CN" altLang="en-US"/>
           </a:p>
@@ -9369,7 +9369,7 @@
           <a:p>
             <a:fld id="{78FEED2D-F7E8-4C4A-84AE-93C7F94FE09E}" type="datetime10">
               <a:rPr lang="zh-CN" altLang="en-US" smtClean="0"/>
-              <a:t>10:47</a:t>
+              <a:t>15:53</a:t>
             </a:fld>
             <a:endParaRPr lang="zh-CN" altLang="en-US" dirty="0"/>
           </a:p>
@@ -9790,7 +9790,7 @@
           <a:p>
             <a:fld id="{78FEED2D-F7E8-4C4A-84AE-93C7F94FE09E}" type="datetime10">
               <a:rPr lang="zh-CN" altLang="en-US" smtClean="0"/>
-              <a:t>10:47</a:t>
+              <a:t>15:53</a:t>
             </a:fld>
             <a:endParaRPr lang="zh-CN" altLang="en-US" dirty="0"/>
           </a:p>
@@ -10728,7 +10728,7 @@
           <a:p>
             <a:fld id="{ED09B6BC-40CC-4337-B768-71FED894D31A}" type="datetime10">
               <a:rPr lang="zh-CN" altLang="en-US" smtClean="0"/>
-              <a:t>10:47</a:t>
+              <a:t>15:53</a:t>
             </a:fld>
             <a:endParaRPr lang="zh-CN" altLang="en-US"/>
           </a:p>
@@ -11612,7 +11612,7 @@
           <a:p>
             <a:fld id="{ED09B6BC-40CC-4337-B768-71FED894D31A}" type="datetime10">
               <a:rPr lang="zh-CN" altLang="en-US" smtClean="0"/>
-              <a:t>10:47</a:t>
+              <a:t>15:53</a:t>
             </a:fld>
             <a:endParaRPr lang="zh-CN" altLang="en-US"/>
           </a:p>
@@ -11771,7 +11771,7 @@
           <a:p>
             <a:fld id="{027287E7-C195-4956-AB5F-C5E4FB6E648D}" type="datetime10">
               <a:rPr lang="zh-CN" altLang="en-US" smtClean="0"/>
-              <a:t>10:47</a:t>
+              <a:t>15:53</a:t>
             </a:fld>
             <a:endParaRPr lang="zh-CN" altLang="en-US"/>
           </a:p>
@@ -12600,7 +12600,7 @@
           <a:p>
             <a:fld id="{2C1DB555-715E-4CC2-8236-9766A92FC189}" type="datetime10">
               <a:rPr lang="zh-CN" altLang="en-US" smtClean="0"/>
-              <a:t>10:47</a:t>
+              <a:t>15:53</a:t>
             </a:fld>
             <a:endParaRPr lang="zh-CN" altLang="en-US"/>
           </a:p>
@@ -13219,7 +13219,7 @@
           <a:p>
             <a:fld id="{8939A372-A03C-433A-9E8B-DCC16223F0AC}" type="datetime10">
               <a:rPr lang="zh-CN" altLang="en-US" smtClean="0"/>
-              <a:t>11:13</a:t>
+              <a:t>15:53</a:t>
             </a:fld>
             <a:endParaRPr lang="zh-CN" altLang="en-US"/>
           </a:p>
@@ -13924,7 +13924,7 @@
           <a:p>
             <a:fld id="{A11504DA-9D07-4BAC-9342-4BE459119F9A}" type="datetime10">
               <a:rPr lang="zh-CN" altLang="en-US" smtClean="0"/>
-              <a:t>10:47</a:t>
+              <a:t>15:53</a:t>
             </a:fld>
             <a:endParaRPr lang="zh-CN" altLang="en-US"/>
           </a:p>
@@ -14672,7 +14672,7 @@
           <a:p>
             <a:fld id="{280E80CF-9183-4DEF-8CE1-65DF7D196D3D}" type="datetime10">
               <a:rPr lang="zh-CN" altLang="en-US" smtClean="0"/>
-              <a:t>10:47</a:t>
+              <a:t>15:53</a:t>
             </a:fld>
             <a:endParaRPr lang="zh-CN" altLang="en-US"/>
           </a:p>
@@ -15120,7 +15120,7 @@
           <a:p>
             <a:fld id="{5CA67B0E-786C-4D6D-A09E-10B07FBCED20}" type="datetime10">
               <a:rPr lang="zh-CN" altLang="en-US" smtClean="0"/>
-              <a:t>10:47</a:t>
+              <a:t>15:53</a:t>
             </a:fld>
             <a:endParaRPr lang="zh-CN" altLang="en-US"/>
           </a:p>
@@ -15770,7 +15770,7 @@
           <a:p>
             <a:fld id="{85A0177B-8AA1-48F5-862B-B20AC3E89A89}" type="datetime10">
               <a:rPr lang="zh-CN" altLang="en-US" smtClean="0"/>
-              <a:t>10:47</a:t>
+              <a:t>15:53</a:t>
             </a:fld>
             <a:endParaRPr lang="zh-CN" altLang="en-US"/>
           </a:p>
@@ -16335,7 +16335,7 @@
           <a:p>
             <a:fld id="{E14C8692-4A63-4ADD-A897-20248F0F8FEB}" type="datetime10">
               <a:rPr lang="zh-CN" altLang="en-US" smtClean="0"/>
-              <a:t>10:47</a:t>
+              <a:t>15:53</a:t>
             </a:fld>
             <a:endParaRPr lang="zh-CN" altLang="en-US"/>
           </a:p>
@@ -16740,7 +16740,7 @@
           <a:p>
             <a:fld id="{2FC65C35-36BD-456E-897A-4011AA0C7FCA}" type="datetime10">
               <a:rPr lang="zh-CN" altLang="en-US" smtClean="0"/>
-              <a:t>10:47</a:t>
+              <a:t>15:53</a:t>
             </a:fld>
             <a:endParaRPr lang="zh-CN" altLang="en-US"/>
           </a:p>
@@ -17015,7 +17015,7 @@
           <a:p>
             <a:fld id="{0A3C77DE-45D0-4E65-84ED-190440F28CD8}" type="datetime10">
               <a:rPr lang="zh-CN" altLang="en-US" smtClean="0"/>
-              <a:t>10:47</a:t>
+              <a:t>15:53</a:t>
             </a:fld>
             <a:endParaRPr lang="zh-CN" altLang="en-US"/>
           </a:p>
@@ -17376,7 +17376,7 @@
           <a:p>
             <a:fld id="{2D5ABED3-9ECF-4B8A-992D-04AF78D41A9B}" type="datetime10">
               <a:rPr lang="zh-CN" altLang="en-US" smtClean="0"/>
-              <a:t>10:47</a:t>
+              <a:t>15:53</a:t>
             </a:fld>
             <a:endParaRPr lang="zh-CN" altLang="en-US"/>
           </a:p>
@@ -17641,7 +17641,7 @@
           <a:p>
             <a:fld id="{63009937-3399-4835-8C0B-7BAB3F5943F9}" type="datetime10">
               <a:rPr lang="zh-CN" altLang="en-US" smtClean="0"/>
-              <a:t>10:47</a:t>
+              <a:t>15:53</a:t>
             </a:fld>
             <a:endParaRPr lang="zh-CN" altLang="en-US"/>
           </a:p>
@@ -17732,7 +17732,7 @@
         <p:spPr>
           <a:xfrm>
             <a:off x="107504" y="1052736"/>
-            <a:ext cx="8856984" cy="5078313"/>
+            <a:ext cx="8856984" cy="5632311"/>
           </a:xfrm>
           <a:prstGeom prst="rect">
             <a:avLst/>
@@ -17908,8 +17908,12 @@
               <a:t>4</a:t>
             </a:r>
             <a:r>
+              <a:rPr lang="zh-CN" altLang="en-US" sz="2400" smtClean="0"/>
+              <a:t>个车库门状态</a:t>
+            </a:r>
+            <a:r>
               <a:rPr lang="zh-CN" altLang="en-US" sz="2400" dirty="0" smtClean="0"/>
-              <a:t>个状态函数的调用，提交</a:t>
+              <a:t>函数的调用，提交</a:t>
             </a:r>
             <a:r>
               <a:rPr lang="en-US" altLang="zh-CN" sz="2400" dirty="0" smtClean="0"/>
@@ -17929,11 +17933,7 @@
             </a:r>
             <a:r>
               <a:rPr lang="zh-CN" altLang="en-US" sz="2400" dirty="0" smtClean="0"/>
-              <a:t>文件</a:t>
-            </a:r>
-            <a:r>
-              <a:rPr lang="zh-CN" altLang="en-US" sz="2400" dirty="0" smtClean="0"/>
-              <a:t>。</a:t>
+              <a:t>文件。</a:t>
             </a:r>
             <a:endParaRPr lang="en-US" altLang="zh-CN" sz="2400" dirty="0" smtClean="0"/>
           </a:p>
@@ -17947,15 +17947,7 @@
             </a:pPr>
             <a:r>
               <a:rPr lang="zh-CN" altLang="en-US" sz="2400" dirty="0" smtClean="0"/>
-              <a:t>将</a:t>
-            </a:r>
-            <a:r>
-              <a:rPr lang="zh-CN" altLang="en-US" sz="2400" dirty="0" smtClean="0"/>
-              <a:t>以上文件</a:t>
-            </a:r>
-            <a:r>
-              <a:rPr lang="zh-CN" altLang="en-US" sz="2400" dirty="0" smtClean="0"/>
-              <a:t>压缩为一个文件，文件名：</a:t>
+              <a:t>将以上文件压缩为一个文件，文件名：</a:t>
             </a:r>
             <a:r>
               <a:rPr lang="zh-CN" altLang="en-US" sz="2400" dirty="0">
@@ -18086,7 +18078,7 @@
           <a:p>
             <a:fld id="{E19C31DD-5C22-46AF-B21A-BFD9140BE8D8}" type="datetime10">
               <a:rPr lang="zh-CN" altLang="en-US" smtClean="0"/>
-              <a:t>10:47</a:t>
+              <a:t>15:53</a:t>
             </a:fld>
             <a:endParaRPr lang="zh-CN" altLang="en-US"/>
           </a:p>
@@ -18848,7 +18840,7 @@
           <a:p>
             <a:fld id="{ED49E5FD-0E58-4D33-9F9A-FE8C76855300}" type="datetime10">
               <a:rPr lang="zh-CN" altLang="en-US" smtClean="0"/>
-              <a:t>10:47</a:t>
+              <a:t>15:53</a:t>
             </a:fld>
             <a:endParaRPr lang="zh-CN" altLang="en-US"/>
           </a:p>
@@ -19393,7 +19385,7 @@
           <a:p>
             <a:fld id="{1B3645CC-3E08-4304-93E4-2D7A955CF558}" type="datetime10">
               <a:rPr lang="zh-CN" altLang="en-US" smtClean="0"/>
-              <a:t>10:47</a:t>
+              <a:t>15:53</a:t>
             </a:fld>
             <a:endParaRPr lang="zh-CN" altLang="en-US"/>
           </a:p>
@@ -20104,7 +20096,7 @@
           <a:p>
             <a:fld id="{44F66471-6FA6-4203-9C5C-41045CCAF8CE}" type="datetime10">
               <a:rPr lang="zh-CN" altLang="en-US" smtClean="0"/>
-              <a:t>10:47</a:t>
+              <a:t>15:53</a:t>
             </a:fld>
             <a:endParaRPr lang="zh-CN" altLang="en-US"/>
           </a:p>
@@ -20232,7 +20224,15 @@
                   <a:srgbClr val="FF0000"/>
                 </a:solidFill>
               </a:rPr>
-              <a:t>解决</a:t>
+              <a:t>解决方案</a:t>
+            </a:r>
+            <a:r>
+              <a:rPr lang="en-US" altLang="zh-CN" sz="2400" dirty="0" smtClean="0">
+                <a:solidFill>
+                  <a:srgbClr val="FF0000"/>
+                </a:solidFill>
+              </a:rPr>
+              <a:t>(Solution)</a:t>
             </a:r>
             <a:r>
               <a:rPr lang="zh-CN" altLang="en-US" sz="2400" dirty="0" smtClean="0">
@@ -20240,31 +20240,7 @@
                   <a:srgbClr val="FF0000"/>
                 </a:solidFill>
               </a:rPr>
-              <a:t>方案</a:t>
-            </a:r>
-            <a:r>
-              <a:rPr lang="en-US" altLang="zh-CN" sz="2400" dirty="0" smtClean="0">
-                <a:solidFill>
-                  <a:srgbClr val="FF0000"/>
-                </a:solidFill>
-              </a:rPr>
-              <a:t>(Solution)</a:t>
-            </a:r>
-            <a:r>
-              <a:rPr lang="zh-CN" altLang="en-US" sz="2400" dirty="0" smtClean="0">
-                <a:solidFill>
-                  <a:srgbClr val="FF0000"/>
-                </a:solidFill>
-              </a:rPr>
-              <a:t>文件</a:t>
-            </a:r>
-            <a:r>
-              <a:rPr lang="zh-CN" altLang="en-US" sz="2400" dirty="0" smtClean="0">
-                <a:solidFill>
-                  <a:srgbClr val="FF0000"/>
-                </a:solidFill>
-              </a:rPr>
-              <a:t>：</a:t>
+              <a:t>文件：</a:t>
             </a:r>
             <a:r>
               <a:rPr lang="en-US" altLang="zh-CN" sz="2400" dirty="0" smtClean="0"/>
@@ -20285,15 +20261,7 @@
                   <a:srgbClr val="FF0000"/>
                 </a:solidFill>
               </a:rPr>
-              <a:t>三</a:t>
-            </a:r>
-            <a:r>
-              <a:rPr lang="zh-CN" altLang="en-US" sz="2400" dirty="0" smtClean="0">
-                <a:solidFill>
-                  <a:srgbClr val="FF0000"/>
-                </a:solidFill>
-              </a:rPr>
-              <a:t>个项目</a:t>
+              <a:t>三个项目</a:t>
             </a:r>
             <a:r>
               <a:rPr lang="en-US" altLang="zh-CN" sz="2400" dirty="0" smtClean="0">
@@ -20437,15 +20405,7 @@
                   <a:srgbClr val="FF0000"/>
                 </a:solidFill>
               </a:rPr>
-              <a:t>状态机代码（填空完成编码</a:t>
-            </a:r>
-            <a:r>
-              <a:rPr lang="zh-CN" altLang="en-US" dirty="0" smtClean="0">
-                <a:solidFill>
-                  <a:srgbClr val="FF0000"/>
-                </a:solidFill>
-              </a:rPr>
-              <a:t>）</a:t>
+              <a:t>状态机代码（填空完成编码）</a:t>
             </a:r>
             <a:endParaRPr lang="en-US" altLang="zh-CN" dirty="0" smtClean="0">
               <a:solidFill>
@@ -20566,7 +20526,7 @@
           <a:p>
             <a:fld id="{A96F25E7-7818-4997-A486-52F03BB724F4}" type="datetime10">
               <a:rPr lang="zh-CN" altLang="en-US" smtClean="0"/>
-              <a:t>10:52</a:t>
+              <a:t>15:53</a:t>
             </a:fld>
             <a:endParaRPr lang="zh-CN" altLang="en-US" dirty="0"/>
           </a:p>
@@ -21275,7 +21235,7 @@
           <a:p>
             <a:fld id="{ECDCA962-CA37-431E-A9AD-A883F0E3A72A}" type="datetime10">
               <a:rPr lang="zh-CN" altLang="en-US" smtClean="0"/>
-              <a:t>10:47</a:t>
+              <a:t>15:53</a:t>
             </a:fld>
             <a:endParaRPr lang="zh-CN" altLang="en-US"/>
           </a:p>
@@ -21822,7 +21782,7 @@
           <a:p>
             <a:fld id="{0504BC3E-8B07-48AF-AAA5-D94DBE3626EA}" type="datetime10">
               <a:rPr lang="zh-CN" altLang="en-US" smtClean="0"/>
-              <a:t>10:47</a:t>
+              <a:t>15:53</a:t>
             </a:fld>
             <a:endParaRPr lang="zh-CN" altLang="en-US"/>
           </a:p>
@@ -22053,7 +22013,7 @@
           <a:p>
             <a:fld id="{F70C1397-6B38-4600-BAA3-4520FF6B7512}" type="datetime10">
               <a:rPr lang="zh-CN" altLang="en-US" smtClean="0"/>
-              <a:t>10:47</a:t>
+              <a:t>15:53</a:t>
             </a:fld>
             <a:endParaRPr lang="zh-CN" altLang="en-US"/>
           </a:p>
@@ -22565,7 +22525,7 @@
           <a:p>
             <a:fld id="{062F2478-A231-4DD8-90F0-17632984B186}" type="datetime10">
               <a:rPr lang="zh-CN" altLang="en-US" smtClean="0"/>
-              <a:t>10:47</a:t>
+              <a:t>15:53</a:t>
             </a:fld>
             <a:endParaRPr lang="zh-CN" altLang="en-US"/>
           </a:p>
@@ -23296,7 +23256,7 @@
           <a:p>
             <a:fld id="{FFCBFCD3-6900-4801-A3A8-ABFF77EF36E9}" type="datetime10">
               <a:rPr lang="zh-CN" altLang="en-US" smtClean="0"/>
-              <a:t>10:47</a:t>
+              <a:t>15:53</a:t>
             </a:fld>
             <a:endParaRPr lang="zh-CN" altLang="en-US"/>
           </a:p>

--- a/2018/C语言课程设计/to student/C语言课程设计报告.pptx
+++ b/2018/C语言课程设计/to student/C语言课程设计报告.pptx
@@ -3329,7 +3329,7 @@
           <a:p>
             <a:fld id="{9B897E2D-957B-4D9D-A0C2-5B7D912FC07C}" type="datetime10">
               <a:rPr lang="zh-CN" altLang="en-US" smtClean="0"/>
-              <a:t>15:53</a:t>
+              <a:t>17:18</a:t>
             </a:fld>
             <a:endParaRPr lang="zh-CN" altLang="en-US"/>
           </a:p>
@@ -3542,7 +3542,7 @@
           <a:p>
             <a:fld id="{FEB5EFE7-A783-4554-B77F-DF14040FF23C}" type="datetime10">
               <a:rPr lang="zh-CN" altLang="en-US" smtClean="0"/>
-              <a:t>15:53</a:t>
+              <a:t>17:18</a:t>
             </a:fld>
             <a:endParaRPr lang="zh-CN" altLang="en-US"/>
           </a:p>
@@ -3852,7 +3852,7 @@
           <a:p>
             <a:fld id="{FAE39FCF-E57F-4C7B-8DA8-2F4FAAA6797D}" type="datetime10">
               <a:rPr lang="zh-CN" altLang="en-US" smtClean="0"/>
-              <a:t>15:53</a:t>
+              <a:t>17:18</a:t>
             </a:fld>
             <a:endParaRPr lang="zh-CN" altLang="en-US"/>
           </a:p>
@@ -4027,7 +4027,7 @@
           <a:p>
             <a:fld id="{027287E7-C195-4956-AB5F-C5E4FB6E648D}" type="datetime10">
               <a:rPr lang="zh-CN" altLang="en-US" smtClean="0"/>
-              <a:t>15:53</a:t>
+              <a:t>17:18</a:t>
             </a:fld>
             <a:endParaRPr lang="zh-CN" altLang="en-US"/>
           </a:p>
@@ -4151,7 +4151,7 @@
           <a:p>
             <a:fld id="{2BC22A67-3ECF-487E-A853-13104F322C26}" type="datetime10">
               <a:rPr lang="zh-CN" altLang="en-US" smtClean="0"/>
-              <a:t>15:53</a:t>
+              <a:t>17:18</a:t>
             </a:fld>
             <a:endParaRPr lang="zh-CN" altLang="en-US"/>
           </a:p>
@@ -4612,7 +4612,7 @@
           <a:p>
             <a:fld id="{CDF13AE3-D21E-49E3-A634-69B00BCC8341}" type="datetime10">
               <a:rPr lang="zh-CN" altLang="en-US" smtClean="0"/>
-              <a:t>15:53</a:t>
+              <a:t>17:18</a:t>
             </a:fld>
             <a:endParaRPr lang="zh-CN" altLang="en-US"/>
           </a:p>
@@ -5871,7 +5871,7 @@
           <a:p>
             <a:fld id="{FFCBFCD3-6900-4801-A3A8-ABFF77EF36E9}" type="datetime10">
               <a:rPr lang="zh-CN" altLang="en-US" smtClean="0"/>
-              <a:t>15:53</a:t>
+              <a:t>17:18</a:t>
             </a:fld>
             <a:endParaRPr lang="zh-CN" altLang="en-US"/>
           </a:p>
@@ -6537,7 +6537,7 @@
           <a:p>
             <a:fld id="{B3A5277A-74C6-4D5A-B698-EA3D9D662265}" type="datetime10">
               <a:rPr lang="zh-CN" altLang="en-US" smtClean="0"/>
-              <a:t>15:53</a:t>
+              <a:t>17:18</a:t>
             </a:fld>
             <a:endParaRPr lang="zh-CN" altLang="en-US"/>
           </a:p>
@@ -7153,7 +7153,7 @@
           <a:p>
             <a:fld id="{B3A5277A-74C6-4D5A-B698-EA3D9D662265}" type="datetime10">
               <a:rPr lang="zh-CN" altLang="en-US" smtClean="0"/>
-              <a:t>15:53</a:t>
+              <a:t>17:18</a:t>
             </a:fld>
             <a:endParaRPr lang="zh-CN" altLang="en-US"/>
           </a:p>
@@ -7948,7 +7948,7 @@
           <a:p>
             <a:fld id="{78FEED2D-F7E8-4C4A-84AE-93C7F94FE09E}" type="datetime10">
               <a:rPr lang="zh-CN" altLang="en-US" smtClean="0"/>
-              <a:t>15:53</a:t>
+              <a:t>17:18</a:t>
             </a:fld>
             <a:endParaRPr lang="zh-CN" altLang="en-US"/>
           </a:p>
@@ -8550,7 +8550,7 @@
           <a:p>
             <a:fld id="{78FEED2D-F7E8-4C4A-84AE-93C7F94FE09E}" type="datetime10">
               <a:rPr lang="zh-CN" altLang="en-US" smtClean="0"/>
-              <a:t>15:53</a:t>
+              <a:t>17:18</a:t>
             </a:fld>
             <a:endParaRPr lang="zh-CN" altLang="en-US"/>
           </a:p>
@@ -9369,7 +9369,7 @@
           <a:p>
             <a:fld id="{78FEED2D-F7E8-4C4A-84AE-93C7F94FE09E}" type="datetime10">
               <a:rPr lang="zh-CN" altLang="en-US" smtClean="0"/>
-              <a:t>15:53</a:t>
+              <a:t>17:18</a:t>
             </a:fld>
             <a:endParaRPr lang="zh-CN" altLang="en-US" dirty="0"/>
           </a:p>
@@ -9790,7 +9790,7 @@
           <a:p>
             <a:fld id="{78FEED2D-F7E8-4C4A-84AE-93C7F94FE09E}" type="datetime10">
               <a:rPr lang="zh-CN" altLang="en-US" smtClean="0"/>
-              <a:t>15:53</a:t>
+              <a:t>17:18</a:t>
             </a:fld>
             <a:endParaRPr lang="zh-CN" altLang="en-US" dirty="0"/>
           </a:p>
@@ -10728,7 +10728,7 @@
           <a:p>
             <a:fld id="{ED09B6BC-40CC-4337-B768-71FED894D31A}" type="datetime10">
               <a:rPr lang="zh-CN" altLang="en-US" smtClean="0"/>
-              <a:t>15:53</a:t>
+              <a:t>17:18</a:t>
             </a:fld>
             <a:endParaRPr lang="zh-CN" altLang="en-US"/>
           </a:p>
@@ -11612,7 +11612,7 @@
           <a:p>
             <a:fld id="{ED09B6BC-40CC-4337-B768-71FED894D31A}" type="datetime10">
               <a:rPr lang="zh-CN" altLang="en-US" smtClean="0"/>
-              <a:t>15:53</a:t>
+              <a:t>17:18</a:t>
             </a:fld>
             <a:endParaRPr lang="zh-CN" altLang="en-US"/>
           </a:p>
@@ -11771,7 +11771,7 @@
           <a:p>
             <a:fld id="{027287E7-C195-4956-AB5F-C5E4FB6E648D}" type="datetime10">
               <a:rPr lang="zh-CN" altLang="en-US" smtClean="0"/>
-              <a:t>15:53</a:t>
+              <a:t>17:18</a:t>
             </a:fld>
             <a:endParaRPr lang="zh-CN" altLang="en-US"/>
           </a:p>
@@ -12600,7 +12600,7 @@
           <a:p>
             <a:fld id="{2C1DB555-715E-4CC2-8236-9766A92FC189}" type="datetime10">
               <a:rPr lang="zh-CN" altLang="en-US" smtClean="0"/>
-              <a:t>15:53</a:t>
+              <a:t>17:18</a:t>
             </a:fld>
             <a:endParaRPr lang="zh-CN" altLang="en-US"/>
           </a:p>
@@ -13219,7 +13219,7 @@
           <a:p>
             <a:fld id="{8939A372-A03C-433A-9E8B-DCC16223F0AC}" type="datetime10">
               <a:rPr lang="zh-CN" altLang="en-US" smtClean="0"/>
-              <a:t>15:53</a:t>
+              <a:t>17:18</a:t>
             </a:fld>
             <a:endParaRPr lang="zh-CN" altLang="en-US"/>
           </a:p>
@@ -13924,7 +13924,7 @@
           <a:p>
             <a:fld id="{A11504DA-9D07-4BAC-9342-4BE459119F9A}" type="datetime10">
               <a:rPr lang="zh-CN" altLang="en-US" smtClean="0"/>
-              <a:t>15:53</a:t>
+              <a:t>17:18</a:t>
             </a:fld>
             <a:endParaRPr lang="zh-CN" altLang="en-US"/>
           </a:p>
@@ -14672,7 +14672,7 @@
           <a:p>
             <a:fld id="{280E80CF-9183-4DEF-8CE1-65DF7D196D3D}" type="datetime10">
               <a:rPr lang="zh-CN" altLang="en-US" smtClean="0"/>
-              <a:t>15:53</a:t>
+              <a:t>17:18</a:t>
             </a:fld>
             <a:endParaRPr lang="zh-CN" altLang="en-US"/>
           </a:p>
@@ -15120,7 +15120,7 @@
           <a:p>
             <a:fld id="{5CA67B0E-786C-4D6D-A09E-10B07FBCED20}" type="datetime10">
               <a:rPr lang="zh-CN" altLang="en-US" smtClean="0"/>
-              <a:t>15:53</a:t>
+              <a:t>17:18</a:t>
             </a:fld>
             <a:endParaRPr lang="zh-CN" altLang="en-US"/>
           </a:p>
@@ -15770,7 +15770,7 @@
           <a:p>
             <a:fld id="{85A0177B-8AA1-48F5-862B-B20AC3E89A89}" type="datetime10">
               <a:rPr lang="zh-CN" altLang="en-US" smtClean="0"/>
-              <a:t>15:53</a:t>
+              <a:t>17:18</a:t>
             </a:fld>
             <a:endParaRPr lang="zh-CN" altLang="en-US"/>
           </a:p>
@@ -16335,7 +16335,7 @@
           <a:p>
             <a:fld id="{E14C8692-4A63-4ADD-A897-20248F0F8FEB}" type="datetime10">
               <a:rPr lang="zh-CN" altLang="en-US" smtClean="0"/>
-              <a:t>15:53</a:t>
+              <a:t>17:18</a:t>
             </a:fld>
             <a:endParaRPr lang="zh-CN" altLang="en-US"/>
           </a:p>
@@ -16740,7 +16740,7 @@
           <a:p>
             <a:fld id="{2FC65C35-36BD-456E-897A-4011AA0C7FCA}" type="datetime10">
               <a:rPr lang="zh-CN" altLang="en-US" smtClean="0"/>
-              <a:t>15:53</a:t>
+              <a:t>17:18</a:t>
             </a:fld>
             <a:endParaRPr lang="zh-CN" altLang="en-US"/>
           </a:p>
@@ -17015,7 +17015,7 @@
           <a:p>
             <a:fld id="{0A3C77DE-45D0-4E65-84ED-190440F28CD8}" type="datetime10">
               <a:rPr lang="zh-CN" altLang="en-US" smtClean="0"/>
-              <a:t>15:53</a:t>
+              <a:t>17:18</a:t>
             </a:fld>
             <a:endParaRPr lang="zh-CN" altLang="en-US"/>
           </a:p>
@@ -17376,7 +17376,7 @@
           <a:p>
             <a:fld id="{2D5ABED3-9ECF-4B8A-992D-04AF78D41A9B}" type="datetime10">
               <a:rPr lang="zh-CN" altLang="en-US" smtClean="0"/>
-              <a:t>15:53</a:t>
+              <a:t>17:18</a:t>
             </a:fld>
             <a:endParaRPr lang="zh-CN" altLang="en-US"/>
           </a:p>
@@ -17641,7 +17641,7 @@
           <a:p>
             <a:fld id="{63009937-3399-4835-8C0B-7BAB3F5943F9}" type="datetime10">
               <a:rPr lang="zh-CN" altLang="en-US" smtClean="0"/>
-              <a:t>15:53</a:t>
+              <a:t>17:18</a:t>
             </a:fld>
             <a:endParaRPr lang="zh-CN" altLang="en-US"/>
           </a:p>
@@ -18078,7 +18078,7 @@
           <a:p>
             <a:fld id="{E19C31DD-5C22-46AF-B21A-BFD9140BE8D8}" type="datetime10">
               <a:rPr lang="zh-CN" altLang="en-US" smtClean="0"/>
-              <a:t>15:53</a:t>
+              <a:t>17:18</a:t>
             </a:fld>
             <a:endParaRPr lang="zh-CN" altLang="en-US"/>
           </a:p>
@@ -18840,7 +18840,7 @@
           <a:p>
             <a:fld id="{ED49E5FD-0E58-4D33-9F9A-FE8C76855300}" type="datetime10">
               <a:rPr lang="zh-CN" altLang="en-US" smtClean="0"/>
-              <a:t>15:53</a:t>
+              <a:t>17:18</a:t>
             </a:fld>
             <a:endParaRPr lang="zh-CN" altLang="en-US"/>
           </a:p>
@@ -19385,7 +19385,7 @@
           <a:p>
             <a:fld id="{1B3645CC-3E08-4304-93E4-2D7A955CF558}" type="datetime10">
               <a:rPr lang="zh-CN" altLang="en-US" smtClean="0"/>
-              <a:t>15:53</a:t>
+              <a:t>17:18</a:t>
             </a:fld>
             <a:endParaRPr lang="zh-CN" altLang="en-US"/>
           </a:p>
@@ -20096,7 +20096,7 @@
           <a:p>
             <a:fld id="{44F66471-6FA6-4203-9C5C-41045CCAF8CE}" type="datetime10">
               <a:rPr lang="zh-CN" altLang="en-US" smtClean="0"/>
-              <a:t>15:53</a:t>
+              <a:t>17:18</a:t>
             </a:fld>
             <a:endParaRPr lang="zh-CN" altLang="en-US"/>
           </a:p>
@@ -20526,7 +20526,7 @@
           <a:p>
             <a:fld id="{A96F25E7-7818-4997-A486-52F03BB724F4}" type="datetime10">
               <a:rPr lang="zh-CN" altLang="en-US" smtClean="0"/>
-              <a:t>15:53</a:t>
+              <a:t>17:18</a:t>
             </a:fld>
             <a:endParaRPr lang="zh-CN" altLang="en-US" dirty="0"/>
           </a:p>
@@ -21235,7 +21235,7 @@
           <a:p>
             <a:fld id="{ECDCA962-CA37-431E-A9AD-A883F0E3A72A}" type="datetime10">
               <a:rPr lang="zh-CN" altLang="en-US" smtClean="0"/>
-              <a:t>15:53</a:t>
+              <a:t>17:18</a:t>
             </a:fld>
             <a:endParaRPr lang="zh-CN" altLang="en-US"/>
           </a:p>
@@ -21782,7 +21782,7 @@
           <a:p>
             <a:fld id="{0504BC3E-8B07-48AF-AAA5-D94DBE3626EA}" type="datetime10">
               <a:rPr lang="zh-CN" altLang="en-US" smtClean="0"/>
-              <a:t>15:53</a:t>
+              <a:t>17:18</a:t>
             </a:fld>
             <a:endParaRPr lang="zh-CN" altLang="en-US"/>
           </a:p>
@@ -22013,7 +22013,7 @@
           <a:p>
             <a:fld id="{F70C1397-6B38-4600-BAA3-4520FF6B7512}" type="datetime10">
               <a:rPr lang="zh-CN" altLang="en-US" smtClean="0"/>
-              <a:t>15:53</a:t>
+              <a:t>17:18</a:t>
             </a:fld>
             <a:endParaRPr lang="zh-CN" altLang="en-US"/>
           </a:p>
@@ -22525,7 +22525,7 @@
           <a:p>
             <a:fld id="{062F2478-A231-4DD8-90F0-17632984B186}" type="datetime10">
               <a:rPr lang="zh-CN" altLang="en-US" smtClean="0"/>
-              <a:t>15:53</a:t>
+              <a:t>17:18</a:t>
             </a:fld>
             <a:endParaRPr lang="zh-CN" altLang="en-US"/>
           </a:p>
@@ -23256,7 +23256,7 @@
           <a:p>
             <a:fld id="{FFCBFCD3-6900-4801-A3A8-ABFF77EF36E9}" type="datetime10">
               <a:rPr lang="zh-CN" altLang="en-US" smtClean="0"/>
-              <a:t>15:53</a:t>
+              <a:t>17:18</a:t>
             </a:fld>
             <a:endParaRPr lang="zh-CN" altLang="en-US"/>
           </a:p>
